--- a/assets/Logo.pptx
+++ b/assets/Logo.pptx
@@ -550,7 +550,7 @@
           <a:p>
             <a:fld id="{C0ABBAB3-567D-B244-943F-6262E8DCE22B}" type="datetimeFigureOut">
               <a:rPr lang="en-US" smtClean="0"/>
-              <a:t>2/14/24</a:t>
+              <a:t>2/17/2024</a:t>
             </a:fld>
             <a:endParaRPr lang="en-US"/>
           </a:p>
@@ -750,7 +750,7 @@
           <a:p>
             <a:fld id="{C0ABBAB3-567D-B244-943F-6262E8DCE22B}" type="datetimeFigureOut">
               <a:rPr lang="en-US" smtClean="0"/>
-              <a:t>2/14/24</a:t>
+              <a:t>2/17/2024</a:t>
             </a:fld>
             <a:endParaRPr lang="en-US"/>
           </a:p>
@@ -960,7 +960,7 @@
           <a:p>
             <a:fld id="{C0ABBAB3-567D-B244-943F-6262E8DCE22B}" type="datetimeFigureOut">
               <a:rPr lang="en-US" smtClean="0"/>
-              <a:t>2/14/24</a:t>
+              <a:t>2/17/2024</a:t>
             </a:fld>
             <a:endParaRPr lang="en-US"/>
           </a:p>
@@ -1160,7 +1160,7 @@
           <a:p>
             <a:fld id="{C0ABBAB3-567D-B244-943F-6262E8DCE22B}" type="datetimeFigureOut">
               <a:rPr lang="en-US" smtClean="0"/>
-              <a:t>2/14/24</a:t>
+              <a:t>2/17/2024</a:t>
             </a:fld>
             <a:endParaRPr lang="en-US"/>
           </a:p>
@@ -1436,7 +1436,7 @@
           <a:p>
             <a:fld id="{C0ABBAB3-567D-B244-943F-6262E8DCE22B}" type="datetimeFigureOut">
               <a:rPr lang="en-US" smtClean="0"/>
-              <a:t>2/14/24</a:t>
+              <a:t>2/17/2024</a:t>
             </a:fld>
             <a:endParaRPr lang="en-US"/>
           </a:p>
@@ -1704,7 +1704,7 @@
           <a:p>
             <a:fld id="{C0ABBAB3-567D-B244-943F-6262E8DCE22B}" type="datetimeFigureOut">
               <a:rPr lang="en-US" smtClean="0"/>
-              <a:t>2/14/24</a:t>
+              <a:t>2/17/2024</a:t>
             </a:fld>
             <a:endParaRPr lang="en-US"/>
           </a:p>
@@ -2119,7 +2119,7 @@
           <a:p>
             <a:fld id="{C0ABBAB3-567D-B244-943F-6262E8DCE22B}" type="datetimeFigureOut">
               <a:rPr lang="en-US" smtClean="0"/>
-              <a:t>2/14/24</a:t>
+              <a:t>2/17/2024</a:t>
             </a:fld>
             <a:endParaRPr lang="en-US"/>
           </a:p>
@@ -2261,7 +2261,7 @@
           <a:p>
             <a:fld id="{C0ABBAB3-567D-B244-943F-6262E8DCE22B}" type="datetimeFigureOut">
               <a:rPr lang="en-US" smtClean="0"/>
-              <a:t>2/14/24</a:t>
+              <a:t>2/17/2024</a:t>
             </a:fld>
             <a:endParaRPr lang="en-US"/>
           </a:p>
@@ -2374,7 +2374,7 @@
           <a:p>
             <a:fld id="{C0ABBAB3-567D-B244-943F-6262E8DCE22B}" type="datetimeFigureOut">
               <a:rPr lang="en-US" smtClean="0"/>
-              <a:t>2/14/24</a:t>
+              <a:t>2/17/2024</a:t>
             </a:fld>
             <a:endParaRPr lang="en-US"/>
           </a:p>
@@ -2687,7 +2687,7 @@
           <a:p>
             <a:fld id="{C0ABBAB3-567D-B244-943F-6262E8DCE22B}" type="datetimeFigureOut">
               <a:rPr lang="en-US" smtClean="0"/>
-              <a:t>2/14/24</a:t>
+              <a:t>2/17/2024</a:t>
             </a:fld>
             <a:endParaRPr lang="en-US"/>
           </a:p>
@@ -2976,7 +2976,7 @@
           <a:p>
             <a:fld id="{C0ABBAB3-567D-B244-943F-6262E8DCE22B}" type="datetimeFigureOut">
               <a:rPr lang="en-US" smtClean="0"/>
-              <a:t>2/14/24</a:t>
+              <a:t>2/17/2024</a:t>
             </a:fld>
             <a:endParaRPr lang="en-US"/>
           </a:p>
@@ -3219,7 +3219,7 @@
           <a:p>
             <a:fld id="{C0ABBAB3-567D-B244-943F-6262E8DCE22B}" type="datetimeFigureOut">
               <a:rPr lang="en-US" smtClean="0"/>
-              <a:t>2/14/24</a:t>
+              <a:t>2/17/2024</a:t>
             </a:fld>
             <a:endParaRPr lang="en-US"/>
           </a:p>
@@ -3625,9 +3625,7 @@
     <p:bg>
       <p:bgPr>
         <a:solidFill>
-          <a:schemeClr val="bg1">
-            <a:alpha val="0"/>
-          </a:schemeClr>
+          <a:schemeClr val="bg1"/>
         </a:solidFill>
         <a:effectLst/>
       </p:bgPr>
@@ -3648,19 +3646,511 @@
       </p:grpSpPr>
       <p:grpSp>
         <p:nvGrpSpPr>
-          <p:cNvPr id="17" name="Group 16">
-            <a:extLst>
-              <a:ext uri="{FF2B5EF4-FFF2-40B4-BE49-F238E27FC236}">
-                <a16:creationId xmlns:a16="http://schemas.microsoft.com/office/drawing/2014/main" id="{8CF3A9A9-7B2F-6B9D-7FB3-01FFED1683F5}"/>
-              </a:ext>
-            </a:extLst>
-          </p:cNvPr>
+          <p:cNvPr id="5" name="Group 4"/>
           <p:cNvGrpSpPr/>
           <p:nvPr/>
         </p:nvGrpSpPr>
         <p:grpSpPr>
           <a:xfrm>
-            <a:off x="1796405" y="960381"/>
+            <a:off x="7556204" y="2792504"/>
+            <a:ext cx="1938221" cy="687444"/>
+            <a:chOff x="7118054" y="2792504"/>
+            <a:chExt cx="1938221" cy="687444"/>
+          </a:xfrm>
+        </p:grpSpPr>
+        <p:grpSp>
+          <p:nvGrpSpPr>
+            <p:cNvPr id="17" name="Group 16">
+              <a:extLst>
+                <a:ext uri="{FF2B5EF4-FFF2-40B4-BE49-F238E27FC236}">
+                  <a16:creationId xmlns:a16="http://schemas.microsoft.com/office/drawing/2014/main" id="{8CF3A9A9-7B2F-6B9D-7FB3-01FFED1683F5}"/>
+                </a:ext>
+              </a:extLst>
+            </p:cNvPr>
+            <p:cNvGrpSpPr/>
+            <p:nvPr/>
+          </p:nvGrpSpPr>
+          <p:grpSpPr>
+            <a:xfrm>
+              <a:off x="7118054" y="2792504"/>
+              <a:ext cx="462740" cy="687444"/>
+              <a:chOff x="4910665" y="1251928"/>
+              <a:chExt cx="2795367" cy="4152785"/>
+            </a:xfrm>
+          </p:grpSpPr>
+          <p:sp>
+            <p:nvSpPr>
+              <p:cNvPr id="29" name="Parallelogram 28">
+                <a:extLst>
+                  <a:ext uri="{FF2B5EF4-FFF2-40B4-BE49-F238E27FC236}">
+                    <a16:creationId xmlns:a16="http://schemas.microsoft.com/office/drawing/2014/main" id="{36CBB4D6-0BEB-3BE8-F341-1F254AC81B33}"/>
+                  </a:ext>
+                </a:extLst>
+              </p:cNvPr>
+              <p:cNvSpPr/>
+              <p:nvPr/>
+            </p:nvSpPr>
+            <p:spPr>
+              <a:xfrm rot="5400000">
+                <a:off x="4888629" y="1273964"/>
+                <a:ext cx="1294356" cy="1250284"/>
+              </a:xfrm>
+              <a:prstGeom prst="parallelogram">
+                <a:avLst>
+                  <a:gd name="adj" fmla="val 66849"/>
+                </a:avLst>
+              </a:prstGeom>
+              <a:solidFill>
+                <a:srgbClr val="C00000"/>
+              </a:solidFill>
+              <a:ln>
+                <a:noFill/>
+              </a:ln>
+            </p:spPr>
+            <p:style>
+              <a:lnRef idx="2">
+                <a:schemeClr val="accent1">
+                  <a:shade val="15000"/>
+                </a:schemeClr>
+              </a:lnRef>
+              <a:fillRef idx="1">
+                <a:schemeClr val="accent1"/>
+              </a:fillRef>
+              <a:effectRef idx="0">
+                <a:schemeClr val="accent1"/>
+              </a:effectRef>
+              <a:fontRef idx="minor">
+                <a:schemeClr val="lt1"/>
+              </a:fontRef>
+            </p:style>
+            <p:txBody>
+              <a:bodyPr rtlCol="0" anchor="ctr"/>
+              <a:lstStyle/>
+              <a:p>
+                <a:pPr algn="ctr"/>
+                <a:endParaRPr lang="en-US">
+                  <a:solidFill>
+                    <a:srgbClr val="C00000"/>
+                  </a:solidFill>
+                </a:endParaRPr>
+              </a:p>
+            </p:txBody>
+          </p:sp>
+          <p:sp>
+            <p:nvSpPr>
+              <p:cNvPr id="30" name="Parallelogram 29">
+                <a:extLst>
+                  <a:ext uri="{FF2B5EF4-FFF2-40B4-BE49-F238E27FC236}">
+                    <a16:creationId xmlns:a16="http://schemas.microsoft.com/office/drawing/2014/main" id="{F583D4A5-53C9-2EA9-7FE6-8303412B4A9F}"/>
+                  </a:ext>
+                </a:extLst>
+              </p:cNvPr>
+              <p:cNvSpPr/>
+              <p:nvPr/>
+            </p:nvSpPr>
+            <p:spPr>
+              <a:xfrm rot="9000000">
+                <a:off x="5018415" y="3442745"/>
+                <a:ext cx="2574065" cy="401818"/>
+              </a:xfrm>
+              <a:prstGeom prst="parallelogram">
+                <a:avLst>
+                  <a:gd name="adj" fmla="val 58434"/>
+                </a:avLst>
+              </a:prstGeom>
+              <a:solidFill>
+                <a:schemeClr val="tx1">
+                  <a:lumMod val="65000"/>
+                  <a:lumOff val="35000"/>
+                </a:schemeClr>
+              </a:solidFill>
+              <a:ln>
+                <a:noFill/>
+              </a:ln>
+            </p:spPr>
+            <p:style>
+              <a:lnRef idx="2">
+                <a:schemeClr val="accent1">
+                  <a:shade val="15000"/>
+                </a:schemeClr>
+              </a:lnRef>
+              <a:fillRef idx="1">
+                <a:schemeClr val="accent1"/>
+              </a:fillRef>
+              <a:effectRef idx="0">
+                <a:schemeClr val="accent1"/>
+              </a:effectRef>
+              <a:fontRef idx="minor">
+                <a:schemeClr val="lt1"/>
+              </a:fontRef>
+            </p:style>
+            <p:txBody>
+              <a:bodyPr rtlCol="0" anchor="ctr"/>
+              <a:lstStyle/>
+              <a:p>
+                <a:pPr algn="ctr"/>
+                <a:endParaRPr lang="en-US"/>
+              </a:p>
+            </p:txBody>
+          </p:sp>
+          <p:sp>
+            <p:nvSpPr>
+              <p:cNvPr id="31" name="Parallelogram 30">
+                <a:extLst>
+                  <a:ext uri="{FF2B5EF4-FFF2-40B4-BE49-F238E27FC236}">
+                    <a16:creationId xmlns:a16="http://schemas.microsoft.com/office/drawing/2014/main" id="{0AFF3CA7-3AA2-B50A-F8F5-9400BF6B014D}"/>
+                  </a:ext>
+                </a:extLst>
+              </p:cNvPr>
+              <p:cNvSpPr/>
+              <p:nvPr/>
+            </p:nvSpPr>
+            <p:spPr>
+              <a:xfrm rot="5400000">
+                <a:off x="3499311" y="2663287"/>
+                <a:ext cx="3211745" cy="389030"/>
+              </a:xfrm>
+              <a:prstGeom prst="parallelogram">
+                <a:avLst>
+                  <a:gd name="adj" fmla="val 67393"/>
+                </a:avLst>
+              </a:prstGeom>
+              <a:solidFill>
+                <a:schemeClr val="tx1">
+                  <a:lumMod val="65000"/>
+                  <a:lumOff val="35000"/>
+                </a:schemeClr>
+              </a:solidFill>
+              <a:ln>
+                <a:noFill/>
+              </a:ln>
+            </p:spPr>
+            <p:style>
+              <a:lnRef idx="2">
+                <a:schemeClr val="accent1">
+                  <a:shade val="15000"/>
+                </a:schemeClr>
+              </a:lnRef>
+              <a:fillRef idx="1">
+                <a:schemeClr val="accent1"/>
+              </a:fillRef>
+              <a:effectRef idx="0">
+                <a:schemeClr val="accent1"/>
+              </a:effectRef>
+              <a:fontRef idx="minor">
+                <a:schemeClr val="lt1"/>
+              </a:fontRef>
+            </p:style>
+            <p:txBody>
+              <a:bodyPr rtlCol="0" anchor="ctr"/>
+              <a:lstStyle/>
+              <a:p>
+                <a:pPr algn="ctr"/>
+                <a:endParaRPr lang="en-US"/>
+              </a:p>
+            </p:txBody>
+          </p:sp>
+          <p:sp>
+            <p:nvSpPr>
+              <p:cNvPr id="32" name="Parallelogram 31">
+                <a:extLst>
+                  <a:ext uri="{FF2B5EF4-FFF2-40B4-BE49-F238E27FC236}">
+                    <a16:creationId xmlns:a16="http://schemas.microsoft.com/office/drawing/2014/main" id="{C172E906-F4F1-70E8-E755-7791FD92FC5E}"/>
+                  </a:ext>
+                </a:extLst>
+              </p:cNvPr>
+              <p:cNvSpPr/>
+              <p:nvPr/>
+            </p:nvSpPr>
+            <p:spPr>
+              <a:xfrm rot="5400000">
+                <a:off x="4577657" y="3080858"/>
+                <a:ext cx="2777552" cy="389030"/>
+              </a:xfrm>
+              <a:prstGeom prst="parallelogram">
+                <a:avLst>
+                  <a:gd name="adj" fmla="val 65037"/>
+                </a:avLst>
+              </a:prstGeom>
+              <a:solidFill>
+                <a:srgbClr val="C00000"/>
+              </a:solidFill>
+              <a:ln>
+                <a:noFill/>
+              </a:ln>
+            </p:spPr>
+            <p:style>
+              <a:lnRef idx="2">
+                <a:schemeClr val="accent1">
+                  <a:shade val="15000"/>
+                </a:schemeClr>
+              </a:lnRef>
+              <a:fillRef idx="1">
+                <a:schemeClr val="accent1"/>
+              </a:fillRef>
+              <a:effectRef idx="0">
+                <a:schemeClr val="accent1"/>
+              </a:effectRef>
+              <a:fontRef idx="minor">
+                <a:schemeClr val="lt1"/>
+              </a:fontRef>
+            </p:style>
+            <p:txBody>
+              <a:bodyPr rtlCol="0" anchor="ctr"/>
+              <a:lstStyle/>
+              <a:p>
+                <a:pPr algn="ctr"/>
+                <a:endParaRPr lang="en-US">
+                  <a:solidFill>
+                    <a:srgbClr val="C00000"/>
+                  </a:solidFill>
+                </a:endParaRPr>
+              </a:p>
+            </p:txBody>
+          </p:sp>
+          <p:sp>
+            <p:nvSpPr>
+              <p:cNvPr id="2" name="Trapezium 1">
+                <a:extLst>
+                  <a:ext uri="{FF2B5EF4-FFF2-40B4-BE49-F238E27FC236}">
+                    <a16:creationId xmlns:a16="http://schemas.microsoft.com/office/drawing/2014/main" id="{3D9E27F7-B71C-9298-9FB6-808867FAB1E7}"/>
+                  </a:ext>
+                </a:extLst>
+              </p:cNvPr>
+              <p:cNvSpPr/>
+              <p:nvPr/>
+            </p:nvSpPr>
+            <p:spPr>
+              <a:xfrm rot="5400000">
+                <a:off x="6224175" y="3922857"/>
+                <a:ext cx="2574913" cy="388800"/>
+              </a:xfrm>
+              <a:prstGeom prst="trapezoid">
+                <a:avLst>
+                  <a:gd name="adj" fmla="val 79694"/>
+                </a:avLst>
+              </a:prstGeom>
+              <a:solidFill>
+                <a:srgbClr val="C00000"/>
+              </a:solidFill>
+              <a:ln>
+                <a:noFill/>
+              </a:ln>
+            </p:spPr>
+            <p:style>
+              <a:lnRef idx="2">
+                <a:schemeClr val="accent1">
+                  <a:shade val="15000"/>
+                </a:schemeClr>
+              </a:lnRef>
+              <a:fillRef idx="1">
+                <a:schemeClr val="accent1"/>
+              </a:fillRef>
+              <a:effectRef idx="0">
+                <a:schemeClr val="accent1"/>
+              </a:effectRef>
+              <a:fontRef idx="minor">
+                <a:schemeClr val="lt1"/>
+              </a:fontRef>
+            </p:style>
+            <p:txBody>
+              <a:bodyPr rtlCol="0" anchor="ctr"/>
+              <a:lstStyle/>
+              <a:p>
+                <a:pPr algn="ctr"/>
+                <a:endParaRPr lang="en-US">
+                  <a:solidFill>
+                    <a:srgbClr val="C00000"/>
+                  </a:solidFill>
+                </a:endParaRPr>
+              </a:p>
+            </p:txBody>
+          </p:sp>
+          <p:sp>
+            <p:nvSpPr>
+              <p:cNvPr id="3" name="Trapezium 2">
+                <a:extLst>
+                  <a:ext uri="{FF2B5EF4-FFF2-40B4-BE49-F238E27FC236}">
+                    <a16:creationId xmlns:a16="http://schemas.microsoft.com/office/drawing/2014/main" id="{5F6A3BED-89F2-E45E-E350-A8C41B070B18}"/>
+                  </a:ext>
+                </a:extLst>
+              </p:cNvPr>
+              <p:cNvSpPr/>
+              <p:nvPr/>
+            </p:nvSpPr>
+            <p:spPr>
+              <a:xfrm rot="1972175">
+                <a:off x="6713898" y="4838136"/>
+                <a:ext cx="769810" cy="388800"/>
+              </a:xfrm>
+              <a:prstGeom prst="trapezoid">
+                <a:avLst>
+                  <a:gd name="adj" fmla="val 51609"/>
+                </a:avLst>
+              </a:prstGeom>
+              <a:solidFill>
+                <a:srgbClr val="C00000"/>
+              </a:solidFill>
+              <a:ln>
+                <a:noFill/>
+              </a:ln>
+            </p:spPr>
+            <p:style>
+              <a:lnRef idx="2">
+                <a:schemeClr val="accent1">
+                  <a:shade val="15000"/>
+                </a:schemeClr>
+              </a:lnRef>
+              <a:fillRef idx="1">
+                <a:schemeClr val="accent1"/>
+              </a:fillRef>
+              <a:effectRef idx="0">
+                <a:schemeClr val="accent1"/>
+              </a:effectRef>
+              <a:fontRef idx="minor">
+                <a:schemeClr val="lt1"/>
+              </a:fontRef>
+            </p:style>
+            <p:txBody>
+              <a:bodyPr rtlCol="0" anchor="ctr"/>
+              <a:lstStyle/>
+              <a:p>
+                <a:pPr algn="ctr"/>
+                <a:endParaRPr lang="en-US" dirty="0">
+                  <a:solidFill>
+                    <a:srgbClr val="C00000"/>
+                  </a:solidFill>
+                </a:endParaRPr>
+              </a:p>
+            </p:txBody>
+          </p:sp>
+          <p:sp>
+            <p:nvSpPr>
+              <p:cNvPr id="4" name="Trapezium 3">
+                <a:extLst>
+                  <a:ext uri="{FF2B5EF4-FFF2-40B4-BE49-F238E27FC236}">
+                    <a16:creationId xmlns:a16="http://schemas.microsoft.com/office/drawing/2014/main" id="{5B9D93AE-9AE5-B7C6-FC9F-C9261046C6B6}"/>
+                  </a:ext>
+                </a:extLst>
+              </p:cNvPr>
+              <p:cNvSpPr/>
+              <p:nvPr/>
+            </p:nvSpPr>
+            <p:spPr>
+              <a:xfrm rot="12772630">
+                <a:off x="5973626" y="4400886"/>
+                <a:ext cx="871452" cy="388800"/>
+              </a:xfrm>
+              <a:prstGeom prst="trapezoid">
+                <a:avLst>
+                  <a:gd name="adj" fmla="val 52470"/>
+                </a:avLst>
+              </a:prstGeom>
+              <a:solidFill>
+                <a:srgbClr val="C00000"/>
+              </a:solidFill>
+              <a:ln>
+                <a:noFill/>
+              </a:ln>
+            </p:spPr>
+            <p:style>
+              <a:lnRef idx="2">
+                <a:schemeClr val="accent1">
+                  <a:shade val="15000"/>
+                </a:schemeClr>
+              </a:lnRef>
+              <a:fillRef idx="1">
+                <a:schemeClr val="accent1"/>
+              </a:fillRef>
+              <a:effectRef idx="0">
+                <a:schemeClr val="accent1"/>
+              </a:effectRef>
+              <a:fontRef idx="minor">
+                <a:schemeClr val="lt1"/>
+              </a:fontRef>
+            </p:style>
+            <p:txBody>
+              <a:bodyPr rtlCol="0" anchor="ctr"/>
+              <a:lstStyle/>
+              <a:p>
+                <a:pPr algn="ctr"/>
+                <a:endParaRPr lang="en-US" dirty="0">
+                  <a:solidFill>
+                    <a:srgbClr val="C00000"/>
+                  </a:solidFill>
+                </a:endParaRPr>
+              </a:p>
+            </p:txBody>
+          </p:sp>
+        </p:grpSp>
+        <p:sp>
+          <p:nvSpPr>
+            <p:cNvPr id="19" name="TextBox 18">
+              <a:extLst>
+                <a:ext uri="{FF2B5EF4-FFF2-40B4-BE49-F238E27FC236}">
+                  <a16:creationId xmlns:a16="http://schemas.microsoft.com/office/drawing/2014/main" id="{6B3214AE-ED7E-688C-75AA-525A5E30BD8A}"/>
+                </a:ext>
+              </a:extLst>
+            </p:cNvPr>
+            <p:cNvSpPr txBox="1"/>
+            <p:nvPr/>
+          </p:nvSpPr>
+          <p:spPr>
+            <a:xfrm>
+              <a:off x="7741491" y="2843838"/>
+              <a:ext cx="1314784" cy="584775"/>
+            </a:xfrm>
+            <a:prstGeom prst="rect">
+              <a:avLst/>
+            </a:prstGeom>
+            <a:noFill/>
+          </p:spPr>
+          <p:txBody>
+            <a:bodyPr wrap="none" rtlCol="0">
+              <a:spAutoFit/>
+            </a:bodyPr>
+            <a:lstStyle/>
+            <a:p>
+              <a:r>
+                <a:rPr lang="en-US" altLang="zh-CN" sz="3200" b="1" dirty="0">
+                  <a:solidFill>
+                    <a:schemeClr val="tx1">
+                      <a:lumMod val="65000"/>
+                      <a:lumOff val="35000"/>
+                    </a:schemeClr>
+                  </a:solidFill>
+                  <a:latin typeface="Consolas" panose="020B0609020204030204" pitchFamily="49" charset="0"/>
+                </a:rPr>
+                <a:t>LUMOS</a:t>
+              </a:r>
+              <a:endParaRPr lang="en-US" sz="3200" b="1" dirty="0">
+                <a:solidFill>
+                  <a:schemeClr val="tx1">
+                    <a:lumMod val="65000"/>
+                    <a:lumOff val="35000"/>
+                  </a:schemeClr>
+                </a:solidFill>
+                <a:latin typeface="Consolas" panose="020B0609020204030204" pitchFamily="49" charset="0"/>
+              </a:endParaRPr>
+            </a:p>
+          </p:txBody>
+        </p:sp>
+      </p:grpSp>
+      <p:grpSp>
+        <p:nvGrpSpPr>
+          <p:cNvPr id="11" name="Group 10">
+            <a:extLst>
+              <a:ext uri="{FF2B5EF4-FFF2-40B4-BE49-F238E27FC236}">
+                <a16:creationId xmlns:a16="http://schemas.microsoft.com/office/drawing/2014/main" id="{8CF3A9A9-7B2F-6B9D-7FB3-01FFED1683F5}"/>
+              </a:ext>
+            </a:extLst>
+          </p:cNvPr>
+          <p:cNvGrpSpPr/>
+          <p:nvPr/>
+        </p:nvGrpSpPr>
+        <p:grpSpPr>
+          <a:xfrm>
+            <a:off x="1948805" y="1112781"/>
             <a:ext cx="2795367" cy="4152785"/>
             <a:chOff x="4910665" y="1251928"/>
             <a:chExt cx="2795367" cy="4152785"/>
@@ -3668,7 +4158,7 @@
         </p:grpSpPr>
         <p:sp>
           <p:nvSpPr>
-            <p:cNvPr id="29" name="Parallelogram 28">
+            <p:cNvPr id="12" name="Parallelogram 11">
               <a:extLst>
                 <a:ext uri="{FF2B5EF4-FFF2-40B4-BE49-F238E27FC236}">
                   <a16:creationId xmlns:a16="http://schemas.microsoft.com/office/drawing/2014/main" id="{36CBB4D6-0BEB-3BE8-F341-1F254AC81B33}"/>
@@ -3726,7 +4216,7 @@
         </p:sp>
         <p:sp>
           <p:nvSpPr>
-            <p:cNvPr id="30" name="Parallelogram 29">
+            <p:cNvPr id="13" name="Parallelogram 12">
               <a:extLst>
                 <a:ext uri="{FF2B5EF4-FFF2-40B4-BE49-F238E27FC236}">
                   <a16:creationId xmlns:a16="http://schemas.microsoft.com/office/drawing/2014/main" id="{F583D4A5-53C9-2EA9-7FE6-8303412B4A9F}"/>
@@ -3783,7 +4273,7 @@
         </p:sp>
         <p:sp>
           <p:nvSpPr>
-            <p:cNvPr id="31" name="Parallelogram 30">
+            <p:cNvPr id="14" name="Parallelogram 13">
               <a:extLst>
                 <a:ext uri="{FF2B5EF4-FFF2-40B4-BE49-F238E27FC236}">
                   <a16:creationId xmlns:a16="http://schemas.microsoft.com/office/drawing/2014/main" id="{0AFF3CA7-3AA2-B50A-F8F5-9400BF6B014D}"/>
@@ -3840,7 +4330,7 @@
         </p:sp>
         <p:sp>
           <p:nvSpPr>
-            <p:cNvPr id="32" name="Parallelogram 31">
+            <p:cNvPr id="15" name="Parallelogram 14">
               <a:extLst>
                 <a:ext uri="{FF2B5EF4-FFF2-40B4-BE49-F238E27FC236}">
                   <a16:creationId xmlns:a16="http://schemas.microsoft.com/office/drawing/2014/main" id="{C172E906-F4F1-70E8-E755-7791FD92FC5E}"/>
@@ -3898,7 +4388,7 @@
         </p:sp>
         <p:sp>
           <p:nvSpPr>
-            <p:cNvPr id="2" name="Trapezium 1">
+            <p:cNvPr id="16" name="Trapezium 1">
               <a:extLst>
                 <a:ext uri="{FF2B5EF4-FFF2-40B4-BE49-F238E27FC236}">
                   <a16:creationId xmlns:a16="http://schemas.microsoft.com/office/drawing/2014/main" id="{3D9E27F7-B71C-9298-9FB6-808867FAB1E7}"/>
@@ -3956,7 +4446,7 @@
         </p:sp>
         <p:sp>
           <p:nvSpPr>
-            <p:cNvPr id="3" name="Trapezium 2">
+            <p:cNvPr id="18" name="Trapezium 2">
               <a:extLst>
                 <a:ext uri="{FF2B5EF4-FFF2-40B4-BE49-F238E27FC236}">
                   <a16:creationId xmlns:a16="http://schemas.microsoft.com/office/drawing/2014/main" id="{5F6A3BED-89F2-E45E-E350-A8C41B070B18}"/>
@@ -4014,7 +4504,7 @@
         </p:sp>
         <p:sp>
           <p:nvSpPr>
-            <p:cNvPr id="4" name="Trapezium 3">
+            <p:cNvPr id="20" name="Trapezium 3">
               <a:extLst>
                 <a:ext uri="{FF2B5EF4-FFF2-40B4-BE49-F238E27FC236}">
                   <a16:creationId xmlns:a16="http://schemas.microsoft.com/office/drawing/2014/main" id="{5B9D93AE-9AE5-B7C6-FC9F-C9261046C6B6}"/>
@@ -4071,83 +4561,6 @@
           </p:txBody>
         </p:sp>
       </p:grpSp>
-      <p:sp>
-        <p:nvSpPr>
-          <p:cNvPr id="19" name="TextBox 18">
-            <a:extLst>
-              <a:ext uri="{FF2B5EF4-FFF2-40B4-BE49-F238E27FC236}">
-                <a16:creationId xmlns:a16="http://schemas.microsoft.com/office/drawing/2014/main" id="{6B3214AE-ED7E-688C-75AA-525A5E30BD8A}"/>
-              </a:ext>
-            </a:extLst>
-          </p:cNvPr>
-          <p:cNvSpPr txBox="1"/>
-          <p:nvPr/>
-        </p:nvSpPr>
-        <p:spPr>
-          <a:xfrm>
-            <a:off x="7600230" y="2844225"/>
-            <a:ext cx="1556452" cy="584775"/>
-          </a:xfrm>
-          <a:prstGeom prst="rect">
-            <a:avLst/>
-          </a:prstGeom>
-          <a:noFill/>
-        </p:spPr>
-        <p:txBody>
-          <a:bodyPr wrap="none" rtlCol="0">
-            <a:spAutoFit/>
-          </a:bodyPr>
-          <a:lstStyle/>
-          <a:p>
-            <a:r>
-              <a:rPr lang="en-US" altLang="zh-CN" sz="3200" b="1" dirty="0">
-                <a:solidFill>
-                  <a:srgbClr val="C00000"/>
-                </a:solidFill>
-              </a:rPr>
-              <a:t>L</a:t>
-            </a:r>
-            <a:r>
-              <a:rPr lang="en-US" altLang="zh-CN" sz="3200" b="1" dirty="0">
-                <a:solidFill>
-                  <a:schemeClr val="tx1">
-                    <a:lumMod val="65000"/>
-                    <a:lumOff val="35000"/>
-                  </a:schemeClr>
-                </a:solidFill>
-              </a:rPr>
-              <a:t>U</a:t>
-            </a:r>
-            <a:r>
-              <a:rPr lang="en-US" altLang="zh-CN" sz="3200" b="1" dirty="0">
-                <a:solidFill>
-                  <a:srgbClr val="C00000"/>
-                </a:solidFill>
-              </a:rPr>
-              <a:t>M</a:t>
-            </a:r>
-            <a:r>
-              <a:rPr lang="en-US" altLang="zh-CN" sz="3200" b="1" dirty="0">
-                <a:solidFill>
-                  <a:schemeClr val="tx1">
-                    <a:lumMod val="65000"/>
-                    <a:lumOff val="35000"/>
-                  </a:schemeClr>
-                </a:solidFill>
-              </a:rPr>
-              <a:t>OS</a:t>
-            </a:r>
-            <a:endParaRPr lang="en-US" sz="3200" b="1" dirty="0">
-              <a:solidFill>
-                <a:schemeClr val="tx1">
-                  <a:lumMod val="65000"/>
-                  <a:lumOff val="35000"/>
-                </a:schemeClr>
-              </a:solidFill>
-            </a:endParaRPr>
-          </a:p>
-        </p:txBody>
-      </p:sp>
     </p:spTree>
     <p:extLst>
       <p:ext uri="{BB962C8B-B14F-4D97-AF65-F5344CB8AC3E}">
